--- a/Blockchain on Azure/1. Blockchain on Azure/Blockchain on Azure.pptx
+++ b/Blockchain on Azure/1. Blockchain on Azure/Blockchain on Azure.pptx
@@ -222,7 +222,7 @@
           <a:p>
             <a:fld id="{49B60EF2-7028-489F-85D8-FE86CD7CF2A0}" type="datetimeFigureOut">
               <a:rPr lang="en-US" smtClean="0"/>
-              <a:t>7/4/2018</a:t>
+              <a:t>7/11/2018</a:t>
             </a:fld>
             <a:endParaRPr lang="en-US"/>
           </a:p>
@@ -2032,7 +2032,7 @@
           <a:p>
             <a:fld id="{0459C166-16D3-4A25-A2F8-C51E0E346B22}" type="datetimeFigureOut">
               <a:rPr lang="en-US" smtClean="0"/>
-              <a:t>7/4/2018</a:t>
+              <a:t>7/11/2018</a:t>
             </a:fld>
             <a:endParaRPr lang="en-US"/>
           </a:p>
@@ -2127,7 +2127,7 @@
           <a:p>
             <a:fld id="{0459C166-16D3-4A25-A2F8-C51E0E346B22}" type="datetimeFigureOut">
               <a:rPr lang="en-US" smtClean="0"/>
-              <a:t>7/4/2018</a:t>
+              <a:t>7/11/2018</a:t>
             </a:fld>
             <a:endParaRPr lang="en-US"/>
           </a:p>
@@ -2402,7 +2402,7 @@
           <a:p>
             <a:fld id="{0459C166-16D3-4A25-A2F8-C51E0E346B22}" type="datetimeFigureOut">
               <a:rPr lang="en-US" smtClean="0"/>
-              <a:t>7/4/2018</a:t>
+              <a:t>7/11/2018</a:t>
             </a:fld>
             <a:endParaRPr lang="en-US"/>
           </a:p>
@@ -2654,7 +2654,7 @@
           <a:p>
             <a:fld id="{0459C166-16D3-4A25-A2F8-C51E0E346B22}" type="datetimeFigureOut">
               <a:rPr lang="en-US" smtClean="0"/>
-              <a:t>7/4/2018</a:t>
+              <a:t>7/11/2018</a:t>
             </a:fld>
             <a:endParaRPr lang="en-US"/>
           </a:p>
@@ -2822,7 +2822,7 @@
           <a:p>
             <a:fld id="{0459C166-16D3-4A25-A2F8-C51E0E346B22}" type="datetimeFigureOut">
               <a:rPr lang="en-US" smtClean="0"/>
-              <a:t>7/4/2018</a:t>
+              <a:t>7/11/2018</a:t>
             </a:fld>
             <a:endParaRPr lang="en-US"/>
           </a:p>
@@ -3000,7 +3000,7 @@
           <a:p>
             <a:fld id="{0459C166-16D3-4A25-A2F8-C51E0E346B22}" type="datetimeFigureOut">
               <a:rPr lang="en-US" smtClean="0"/>
-              <a:t>7/4/2018</a:t>
+              <a:t>7/11/2018</a:t>
             </a:fld>
             <a:endParaRPr lang="en-US"/>
           </a:p>
@@ -4905,7 +4905,7 @@
           <a:p>
             <a:fld id="{0459C166-16D3-4A25-A2F8-C51E0E346B22}" type="datetimeFigureOut">
               <a:rPr lang="en-US" smtClean="0"/>
-              <a:t>7/4/2018</a:t>
+              <a:t>7/11/2018</a:t>
             </a:fld>
             <a:endParaRPr lang="en-US"/>
           </a:p>
@@ -10469,7 +10469,7 @@
             <a:fld id="{0459C166-16D3-4A25-A2F8-C51E0E346B22}" type="datetimeFigureOut">
               <a:rPr lang="en-US" smtClean="0"/>
               <a:pPr/>
-              <a:t>7/4/2018</a:t>
+              <a:t>7/11/2018</a:t>
             </a:fld>
             <a:endParaRPr lang="en-US"/>
           </a:p>
@@ -14390,7 +14390,7 @@
           <a:p>
             <a:fld id="{0459C166-16D3-4A25-A2F8-C51E0E346B22}" type="datetimeFigureOut">
               <a:rPr lang="en-US" smtClean="0"/>
-              <a:t>7/4/2018</a:t>
+              <a:t>7/11/2018</a:t>
             </a:fld>
             <a:endParaRPr lang="en-US"/>
           </a:p>
@@ -14754,7 +14754,7 @@
           <a:p>
             <a:fld id="{0459C166-16D3-4A25-A2F8-C51E0E346B22}" type="datetimeFigureOut">
               <a:rPr lang="en-US" smtClean="0"/>
-              <a:t>7/4/2018</a:t>
+              <a:t>7/11/2018</a:t>
             </a:fld>
             <a:endParaRPr lang="en-US"/>
           </a:p>
@@ -14871,7 +14871,7 @@
           <a:p>
             <a:fld id="{0459C166-16D3-4A25-A2F8-C51E0E346B22}" type="datetimeFigureOut">
               <a:rPr lang="en-US" smtClean="0"/>
-              <a:t>7/4/2018</a:t>
+              <a:t>7/11/2018</a:t>
             </a:fld>
             <a:endParaRPr lang="en-US"/>
           </a:p>
@@ -15082,7 +15082,7 @@
           <a:p>
             <a:fld id="{0459C166-16D3-4A25-A2F8-C51E0E346B22}" type="datetimeFigureOut">
               <a:rPr lang="en-US" smtClean="0"/>
-              <a:t>7/4/2018</a:t>
+              <a:t>7/11/2018</a:t>
             </a:fld>
             <a:endParaRPr lang="en-US"/>
           </a:p>
@@ -16385,7 +16385,9 @@
         </p:nvSpPr>
         <p:spPr/>
         <p:txBody>
-          <a:bodyPr/>
+          <a:bodyPr>
+            <a:normAutofit fontScale="77500" lnSpcReduction="20000"/>
+          </a:bodyPr>
           <a:lstStyle/>
           <a:p>
             <a:r>
@@ -16403,8 +16405,41 @@
                 <a:solidFill>
                   <a:srgbClr val="FFFF00"/>
                 </a:solidFill>
+                <a:hlinkClick r:id="rId3"/>
               </a:rPr>
               <a:t>Janhendrik.louw@Microsoft.com</a:t>
+            </a:r>
+            <a:endParaRPr lang="en-US" dirty="0">
+              <a:solidFill>
+                <a:srgbClr val="FFFF00"/>
+              </a:solidFill>
+            </a:endParaRPr>
+          </a:p>
+          <a:p>
+            <a:endParaRPr lang="en-US" dirty="0">
+              <a:solidFill>
+                <a:srgbClr val="FFFF00"/>
+              </a:solidFill>
+            </a:endParaRPr>
+          </a:p>
+          <a:p>
+            <a:r>
+              <a:rPr lang="en-US" dirty="0">
+                <a:solidFill>
+                  <a:srgbClr val="FFFF00"/>
+                </a:solidFill>
+              </a:rPr>
+              <a:t>Nils Woxholt</a:t>
+            </a:r>
+          </a:p>
+          <a:p>
+            <a:r>
+              <a:rPr lang="en-US" dirty="0">
+                <a:solidFill>
+                  <a:srgbClr val="FFFF00"/>
+                </a:solidFill>
+              </a:rPr>
+              <a:t>Nils.Woxholt@microsoft.com</a:t>
             </a:r>
           </a:p>
         </p:txBody>
